--- a/media/slides/consensus-and-dissent.pptx
+++ b/media/slides/consensus-and-dissent.pptx
@@ -5,7 +5,7 @@
     <p:sldMasterId id="2147483648" r:id="rId1"/>
   </p:sldMasterIdLst>
   <p:notesMasterIdLst>
-    <p:notesMasterId r:id="rId38"/>
+    <p:notesMasterId r:id="rId39"/>
   </p:notesMasterIdLst>
   <p:sldIdLst>
     <p:sldId id="256" r:id="rId2"/>
@@ -44,6 +44,7 @@
     <p:sldId id="290" r:id="rId35"/>
     <p:sldId id="291" r:id="rId36"/>
     <p:sldId id="292" r:id="rId37"/>
+    <p:sldId id="293" r:id="rId38"/>
   </p:sldIdLst>
   <p:sldSz cx="12192000" cy="6858000"/>
   <p:notesSz cx="6858000" cy="9144000"/>
@@ -191,9 +192,16 @@
             <p14:sldId id="290"/>
             <p14:sldId id="291"/>
             <p14:sldId id="292"/>
+            <p14:sldId id="293"/>
           </p14:sldIdLst>
         </p14:section>
       </p14:sectionLst>
+    </p:ext>
+    <p:ext uri="{EFAFB233-063F-42B5-8137-9DF3F51BA10A}">
+      <p15:sldGuideLst xmlns:p15="http://schemas.microsoft.com/office/powerpoint/2012/main"/>
+    </p:ext>
+    <p:ext uri="{2D200454-40CA-4A62-9FC3-DE9A4176ACB9}">
+      <p15:notesGuideLst xmlns:p15="http://schemas.microsoft.com/office/powerpoint/2012/main"/>
     </p:ext>
   </p:extLst>
 </p:presentation>
@@ -1195,7 +1203,7 @@
           <a:p>
             <a:fld id="{EC9493B6-AE6A-4C1B-9641-85BE111B90C4}" type="datetime1">
               <a:rPr lang="en-US" smtClean="0"/>
-              <a:t>7/2/2018</a:t>
+              <a:t>7/4/2018</a:t>
             </a:fld>
             <a:endParaRPr lang="en-US"/>
           </a:p>
@@ -1401,7 +1409,7 @@
           <a:p>
             <a:fld id="{F1BE3AC4-6FB2-4483-A323-D5F4914EEE5C}" type="datetime1">
               <a:rPr lang="en-US" smtClean="0"/>
-              <a:t>7/2/2018</a:t>
+              <a:t>7/4/2018</a:t>
             </a:fld>
             <a:endParaRPr lang="en-US"/>
           </a:p>
@@ -1617,7 +1625,7 @@
           <a:p>
             <a:fld id="{5FC8989F-C03C-444A-8281-45928332B3CC}" type="datetime1">
               <a:rPr lang="en-US" smtClean="0"/>
-              <a:t>7/2/2018</a:t>
+              <a:t>7/4/2018</a:t>
             </a:fld>
             <a:endParaRPr lang="en-US"/>
           </a:p>
@@ -1823,7 +1831,7 @@
           <a:p>
             <a:fld id="{2F79F261-71FF-4C1F-A5E7-80711A8CABFC}" type="datetime1">
               <a:rPr lang="en-US" smtClean="0"/>
-              <a:t>7/2/2018</a:t>
+              <a:t>7/4/2018</a:t>
             </a:fld>
             <a:endParaRPr lang="en-US"/>
           </a:p>
@@ -2115,7 +2123,7 @@
           <a:p>
             <a:fld id="{ED440669-E3FF-4CC0-95F7-7F94CB886424}" type="datetime1">
               <a:rPr lang="en-US" smtClean="0"/>
-              <a:t>7/2/2018</a:t>
+              <a:t>7/4/2018</a:t>
             </a:fld>
             <a:endParaRPr lang="en-US"/>
           </a:p>
@@ -2388,7 +2396,7 @@
           <a:p>
             <a:fld id="{3F77C8F3-72D7-4282-871A-09ABF41E9727}" type="datetime1">
               <a:rPr lang="en-US" smtClean="0"/>
-              <a:t>7/2/2018</a:t>
+              <a:t>7/4/2018</a:t>
             </a:fld>
             <a:endParaRPr lang="en-US"/>
           </a:p>
@@ -2808,7 +2816,7 @@
           <a:p>
             <a:fld id="{8CA9DB2D-EE27-4E80-ACCF-EBFCF73D90C1}" type="datetime1">
               <a:rPr lang="en-US" smtClean="0"/>
-              <a:t>7/2/2018</a:t>
+              <a:t>7/4/2018</a:t>
             </a:fld>
             <a:endParaRPr lang="en-US"/>
           </a:p>
@@ -2957,7 +2965,7 @@
           <a:p>
             <a:fld id="{EC72488F-52BC-468E-89CB-2862EE0B76A3}" type="datetime1">
               <a:rPr lang="en-US" smtClean="0"/>
-              <a:t>7/2/2018</a:t>
+              <a:t>7/4/2018</a:t>
             </a:fld>
             <a:endParaRPr lang="en-US"/>
           </a:p>
@@ -3078,7 +3086,7 @@
           <a:p>
             <a:fld id="{0E346416-7DCB-4993-BD9C-193F3EF9D709}" type="datetime1">
               <a:rPr lang="en-US" smtClean="0"/>
-              <a:t>7/2/2018</a:t>
+              <a:t>7/4/2018</a:t>
             </a:fld>
             <a:endParaRPr lang="en-US"/>
           </a:p>
@@ -3397,7 +3405,7 @@
           <a:p>
             <a:fld id="{F25D62EC-49E1-461D-9B26-B1A03BB5C166}" type="datetime1">
               <a:rPr lang="en-US" smtClean="0"/>
-              <a:t>7/2/2018</a:t>
+              <a:t>7/4/2018</a:t>
             </a:fld>
             <a:endParaRPr lang="en-US"/>
           </a:p>
@@ -3693,7 +3701,7 @@
           <a:p>
             <a:fld id="{BB0E117A-98BA-4C02-8DD6-E016E18C790E}" type="datetime1">
               <a:rPr lang="en-US" smtClean="0"/>
-              <a:t>7/2/2018</a:t>
+              <a:t>7/4/2018</a:t>
             </a:fld>
             <a:endParaRPr lang="en-US"/>
           </a:p>
@@ -3942,7 +3950,7 @@
           <a:p>
             <a:fld id="{FDF6554D-FB93-4DCE-9242-271E8217A27A}" type="datetime1">
               <a:rPr lang="en-US" smtClean="0"/>
-              <a:t>7/2/2018</a:t>
+              <a:t>7/4/2018</a:t>
             </a:fld>
             <a:endParaRPr lang="en-US"/>
           </a:p>
@@ -20552,15 +20560,7 @@
             </a:pPr>
             <a:r>
               <a:rPr lang="en-US" dirty="0"/>
-              <a:t>Explicit, fixed definitions </a:t>
-            </a:r>
-            <a:r>
-              <a:rPr lang="en-US" dirty="0" err="1"/>
-              <a:t>fo</a:t>
-            </a:r>
-            <a:r>
-              <a:rPr lang="en-US" dirty="0"/>
-              <a:t>:</a:t>
+              <a:t>Explicit, fixed definitions for:</a:t>
             </a:r>
           </a:p>
           <a:p>
@@ -21149,6 +21149,116 @@
     <p:extLst>
       <p:ext uri="{BB962C8B-B14F-4D97-AF65-F5344CB8AC3E}">
         <p14:creationId xmlns:p14="http://schemas.microsoft.com/office/powerpoint/2010/main" val="493009758"/>
+      </p:ext>
+    </p:extLst>
+  </p:cSld>
+  <p:clrMapOvr>
+    <a:masterClrMapping/>
+  </p:clrMapOvr>
+</p:sld>
+</file>
+
+<file path=ppt/slides/slide37.xml><?xml version="1.0" encoding="utf-8"?>
+<p:sld xmlns:a="http://schemas.openxmlformats.org/drawingml/2006/main" xmlns:r="http://schemas.openxmlformats.org/officeDocument/2006/relationships" xmlns:p="http://schemas.openxmlformats.org/presentationml/2006/main">
+  <p:cSld>
+    <p:spTree>
+      <p:nvGrpSpPr>
+        <p:cNvPr id="1" name=""/>
+        <p:cNvGrpSpPr/>
+        <p:nvPr/>
+      </p:nvGrpSpPr>
+      <p:grpSpPr>
+        <a:xfrm>
+          <a:off x="0" y="0"/>
+          <a:ext cx="0" cy="0"/>
+          <a:chOff x="0" y="0"/>
+          <a:chExt cx="0" cy="0"/>
+        </a:xfrm>
+      </p:grpSpPr>
+      <p:sp>
+        <p:nvSpPr>
+          <p:cNvPr id="2" name="Title 1">
+            <a:extLst>
+              <a:ext uri="{FF2B5EF4-FFF2-40B4-BE49-F238E27FC236}">
+                <a16:creationId xmlns:a16="http://schemas.microsoft.com/office/drawing/2014/main" id="{ADC3F1EA-4CEC-4297-A9D4-5ED0DA3C75F0}"/>
+              </a:ext>
+            </a:extLst>
+          </p:cNvPr>
+          <p:cNvSpPr>
+            <a:spLocks noGrp="1"/>
+          </p:cNvSpPr>
+          <p:nvPr>
+            <p:ph type="title"/>
+          </p:nvPr>
+        </p:nvSpPr>
+        <p:spPr>
+          <a:xfrm>
+            <a:off x="3197029" y="1470390"/>
+            <a:ext cx="5797941" cy="3101609"/>
+          </a:xfrm>
+        </p:spPr>
+        <p:txBody>
+          <a:bodyPr>
+            <a:normAutofit/>
+          </a:bodyPr>
+          <a:lstStyle/>
+          <a:p>
+            <a:pPr algn="ctr"/>
+            <a:r>
+              <a:rPr lang="en-US" sz="7200" dirty="0"/>
+              <a:t>Thank You!</a:t>
+            </a:r>
+            <a:br>
+              <a:rPr lang="en-US" sz="7200" dirty="0"/>
+            </a:br>
+            <a:br>
+              <a:rPr lang="en-US" sz="7200" dirty="0"/>
+            </a:br>
+            <a:r>
+              <a:rPr lang="en-US" sz="7200" dirty="0"/>
+              <a:t>Questions?</a:t>
+            </a:r>
+          </a:p>
+        </p:txBody>
+      </p:sp>
+      <p:sp>
+        <p:nvSpPr>
+          <p:cNvPr id="4" name="Slide Number Placeholder 3">
+            <a:extLst>
+              <a:ext uri="{FF2B5EF4-FFF2-40B4-BE49-F238E27FC236}">
+                <a16:creationId xmlns:a16="http://schemas.microsoft.com/office/drawing/2014/main" id="{1B44A7E5-DEF9-4E2B-A239-DAAFB90E713C}"/>
+              </a:ext>
+            </a:extLst>
+          </p:cNvPr>
+          <p:cNvSpPr>
+            <a:spLocks noGrp="1"/>
+          </p:cNvSpPr>
+          <p:nvPr>
+            <p:ph type="sldNum" sz="quarter" idx="12"/>
+          </p:nvPr>
+        </p:nvSpPr>
+        <p:spPr>
+          <a:xfrm>
+            <a:off x="9291606" y="6444010"/>
+            <a:ext cx="2743200" cy="365125"/>
+          </a:xfrm>
+        </p:spPr>
+        <p:txBody>
+          <a:bodyPr/>
+          <a:lstStyle/>
+          <a:p>
+            <a:fld id="{5A3F91CF-E843-42AF-B09F-C8590E22047B}" type="slidenum">
+              <a:rPr lang="en-US" smtClean="0"/>
+              <a:t>37</a:t>
+            </a:fld>
+            <a:endParaRPr lang="en-US"/>
+          </a:p>
+        </p:txBody>
+      </p:sp>
+    </p:spTree>
+    <p:extLst>
+      <p:ext uri="{BB962C8B-B14F-4D97-AF65-F5344CB8AC3E}">
+        <p14:creationId xmlns:p14="http://schemas.microsoft.com/office/powerpoint/2010/main" val="616494372"/>
       </p:ext>
     </p:extLst>
   </p:cSld>
